--- a/Presentation/ppt 7 thema.pptx
+++ b/Presentation/ppt 7 thema.pptx
@@ -213,7 +213,7 @@
                 <a:latin typeface="Meiryo UI" panose="020B0604030504040204" pitchFamily="50" charset="-128"/>
                 <a:ea typeface="Meiryo UI" panose="020B0604030504040204" pitchFamily="50" charset="-128"/>
               </a:rPr>
-              <a:t>2022/12/20</a:t>
+              <a:t>2022/12/21</a:t>
             </a:fld>
             <a:endParaRPr kumimoji="1" lang="ja-JP" altLang="en-US" dirty="0">
               <a:latin typeface="Meiryo UI" panose="020B0604030504040204" pitchFamily="50" charset="-128"/>
@@ -398,7 +398,7 @@
             <a:fld id="{B07AB95F-E008-4F21-8D4E-E34750D6AE84}" type="datetime1">
               <a:rPr lang="ja-JP" altLang="en-US" smtClean="0"/>
               <a:pPr/>
-              <a:t>2022/12/20</a:t>
+              <a:t>2022/12/21</a:t>
             </a:fld>
             <a:endParaRPr lang="ja-JP" altLang="en-US" dirty="0"/>
           </a:p>
@@ -988,7 +988,7 @@
             <a:pPr rtl="0"/>
             <a:fld id="{BED32F2A-1FF8-402F-8BF6-24CDAFCB97CD}" type="datetime1">
               <a:rPr lang="ja-JP" altLang="en-US" noProof="0" smtClean="0"/>
-              <a:t>2022/12/20</a:t>
+              <a:t>2022/12/21</a:t>
             </a:fld>
             <a:endParaRPr lang="ja-JP" altLang="en-US" noProof="0" dirty="0"/>
           </a:p>
@@ -1298,7 +1298,7 @@
             <a:pPr rtl="0"/>
             <a:fld id="{CDB44967-C232-4B29-B0D5-AF2B33F4C243}" type="datetime1">
               <a:rPr lang="ja-JP" altLang="en-US" noProof="0" smtClean="0"/>
-              <a:t>2022/12/20</a:t>
+              <a:t>2022/12/21</a:t>
             </a:fld>
             <a:endParaRPr lang="ja-JP" altLang="en-US" noProof="0" dirty="0"/>
           </a:p>
@@ -1496,7 +1496,7 @@
             <a:pPr rtl="0"/>
             <a:fld id="{923589E8-8D7F-4ADD-96C7-DF27B20E5F67}" type="datetime1">
               <a:rPr lang="ja-JP" altLang="en-US" noProof="0" smtClean="0"/>
-              <a:t>2022/12/20</a:t>
+              <a:t>2022/12/21</a:t>
             </a:fld>
             <a:endParaRPr lang="ja-JP" altLang="en-US" noProof="0" dirty="0"/>
           </a:p>
@@ -1778,7 +1778,7 @@
           <a:p>
             <a:fld id="{05DFCAC1-4519-47A9-9B3C-ACE9953DB739}" type="datetime1">
               <a:rPr lang="ja-JP" altLang="en-US" noProof="0" smtClean="0"/>
-              <a:t>2022/12/20</a:t>
+              <a:t>2022/12/21</a:t>
             </a:fld>
             <a:endParaRPr lang="ja-JP" altLang="en-US" noProof="0" dirty="0"/>
           </a:p>
@@ -2235,7 +2235,7 @@
             <a:pPr rtl="0"/>
             <a:fld id="{665E7119-F629-4623-9483-E82E084BC006}" type="datetime1">
               <a:rPr lang="ja-JP" altLang="en-US" noProof="0" smtClean="0"/>
-              <a:t>2022/12/20</a:t>
+              <a:t>2022/12/21</a:t>
             </a:fld>
             <a:endParaRPr lang="ja-JP" altLang="en-US" noProof="0" dirty="0"/>
           </a:p>
@@ -2776,7 +2776,7 @@
             <a:pPr rtl="0"/>
             <a:fld id="{6314AE7A-496F-4FD2-B2CB-0CCBD0D639BA}" type="datetime1">
               <a:rPr lang="ja-JP" altLang="en-US" noProof="0" smtClean="0"/>
-              <a:t>2022/12/20</a:t>
+              <a:t>2022/12/21</a:t>
             </a:fld>
             <a:endParaRPr lang="ja-JP" altLang="en-US" noProof="0" dirty="0"/>
           </a:p>
@@ -3665,7 +3665,7 @@
             <a:pPr rtl="0"/>
             <a:fld id="{8CF2109E-8914-46D8-8FC4-05BA55489BC5}" type="datetime1">
               <a:rPr lang="ja-JP" altLang="en-US" noProof="0" smtClean="0"/>
-              <a:t>2022/12/20</a:t>
+              <a:t>2022/12/21</a:t>
             </a:fld>
             <a:endParaRPr lang="ja-JP" altLang="en-US" noProof="0" dirty="0"/>
           </a:p>
@@ -3871,7 +3871,7 @@
             <a:pPr rtl="0"/>
             <a:fld id="{F1004C8D-6C76-4892-A136-9C6099763C96}" type="datetime1">
               <a:rPr lang="ja-JP" altLang="en-US" noProof="0" smtClean="0"/>
-              <a:t>2022/12/20</a:t>
+              <a:t>2022/12/21</a:t>
             </a:fld>
             <a:endParaRPr lang="ja-JP" altLang="en-US" noProof="0" dirty="0"/>
           </a:p>
@@ -4119,7 +4119,7 @@
             <a:pPr rtl="0"/>
             <a:fld id="{242A2D7E-FFE8-4444-8A69-4D054D6A7FB1}" type="datetime1">
               <a:rPr lang="ja-JP" altLang="en-US" noProof="0" smtClean="0"/>
-              <a:t>2022/12/20</a:t>
+              <a:t>2022/12/21</a:t>
             </a:fld>
             <a:endParaRPr lang="ja-JP" altLang="en-US" noProof="0" dirty="0"/>
           </a:p>
@@ -4429,7 +4429,7 @@
             <a:pPr rtl="0"/>
             <a:fld id="{E6A15EDF-B1A1-4F5B-B886-5281F007CEC2}" type="datetime1">
               <a:rPr lang="ja-JP" altLang="en-US" noProof="0" smtClean="0"/>
-              <a:t>2022/12/20</a:t>
+              <a:t>2022/12/21</a:t>
             </a:fld>
             <a:endParaRPr lang="ja-JP" altLang="en-US" noProof="0" dirty="0"/>
           </a:p>
@@ -4980,7 +4980,7 @@
             <a:pPr rtl="0"/>
             <a:fld id="{FACBA674-B12E-4A9C-870A-505978E4D347}" type="datetime1">
               <a:rPr lang="ja-JP" altLang="en-US" noProof="0" smtClean="0"/>
-              <a:t>2022/12/20</a:t>
+              <a:t>2022/12/21</a:t>
             </a:fld>
             <a:endParaRPr lang="ja-JP" altLang="en-US" noProof="0" dirty="0"/>
           </a:p>
@@ -5102,7 +5102,7 @@
             <a:pPr rtl="0"/>
             <a:fld id="{510CD04C-9C91-47B9-AD1B-CB5E3C5F2EB7}" type="datetime1">
               <a:rPr lang="ja-JP" altLang="en-US" noProof="0" smtClean="0"/>
-              <a:t>2022/12/20</a:t>
+              <a:t>2022/12/21</a:t>
             </a:fld>
             <a:endParaRPr lang="ja-JP" altLang="en-US" noProof="0" dirty="0"/>
           </a:p>
@@ -5200,7 +5200,7 @@
             <a:pPr rtl="0"/>
             <a:fld id="{9F54A936-8D81-45C6-BA98-389C9C639694}" type="datetime1">
               <a:rPr lang="ja-JP" altLang="en-US" noProof="0" smtClean="0"/>
-              <a:t>2022/12/20</a:t>
+              <a:t>2022/12/21</a:t>
             </a:fld>
             <a:endParaRPr lang="ja-JP" altLang="en-US" noProof="0" dirty="0"/>
           </a:p>
@@ -5491,7 +5491,7 @@
             <a:pPr rtl="0"/>
             <a:fld id="{B9883EF0-5A1D-49BE-9E30-E5F416FD9E02}" type="datetime1">
               <a:rPr lang="ja-JP" altLang="en-US" noProof="0" smtClean="0"/>
-              <a:t>2022/12/20</a:t>
+              <a:t>2022/12/21</a:t>
             </a:fld>
             <a:endParaRPr lang="ja-JP" altLang="en-US" noProof="0" dirty="0"/>
           </a:p>
@@ -5803,7 +5803,7 @@
             <a:pPr rtl="0"/>
             <a:fld id="{10D676E5-1814-49F1-B0B7-1FEF88ACB80D}" type="datetime1">
               <a:rPr lang="ja-JP" altLang="en-US" noProof="0" smtClean="0"/>
-              <a:t>2022/12/20</a:t>
+              <a:t>2022/12/21</a:t>
             </a:fld>
             <a:endParaRPr lang="ja-JP" altLang="en-US" noProof="0" dirty="0"/>
           </a:p>
@@ -6072,7 +6072,7 @@
           <a:p>
             <a:fld id="{86487C1B-3789-46FF-9A5F-B29A0DECFF86}" type="datetime1">
               <a:rPr lang="ja-JP" altLang="en-US" noProof="0" smtClean="0"/>
-              <a:t>2022/12/20</a:t>
+              <a:t>2022/12/21</a:t>
             </a:fld>
             <a:endParaRPr lang="ja-JP" altLang="en-US" noProof="0" dirty="0"/>
           </a:p>
@@ -6995,7 +6995,7 @@
           </a:effectLst>
           <a:extLst>
             <a:ext uri="{91240B29-F687-4f45-9708-019B960494DF}">
-              <a14:hiddenLine xmlns="" xmlns:a14="http://schemas.microsoft.com/office/drawing/2010/main" xmlns:a16="http://schemas.microsoft.com/office/drawing/2014/main" xmlns:p14="http://schemas.microsoft.com/office/powerpoint/2010/main" w="9525">
+              <a14:hiddenLine xmlns:p14="http://schemas.microsoft.com/office/powerpoint/2010/main" xmlns:a16="http://schemas.microsoft.com/office/drawing/2014/main" xmlns:a14="http://schemas.microsoft.com/office/drawing/2010/main" xmlns="" w="9525">
                 <a:solidFill>
                   <a:srgbClr val="000000"/>
                 </a:solidFill>
@@ -7227,7 +7227,23 @@
           <a:bodyPr/>
           <a:lstStyle/>
           <a:p>
-            <a:endParaRPr kumimoji="1" lang="ja-JP" altLang="en-US"/>
+            <a:r>
+              <a:rPr kumimoji="1" lang="en-US" altLang="ja-JP" dirty="0"/>
+              <a:t>the purpose of our multi-task learning method is to improve the quality of response generation, not to improve the performance of emotion recognition. This is different from general multitask learning.</a:t>
+            </a:r>
+          </a:p>
+          <a:p>
+            <a:endParaRPr lang="en-US" altLang="ja-JP" dirty="0"/>
+          </a:p>
+          <a:p>
+            <a:r>
+              <a:rPr lang="ja-JP" altLang="en-US" dirty="0"/>
+              <a:t>反応生成の品質向上。</a:t>
+            </a:r>
+            <a:endParaRPr lang="en-US" altLang="ja-JP" dirty="0"/>
+          </a:p>
+          <a:p>
+            <a:endParaRPr lang="en-US" altLang="ja-JP" dirty="0"/>
           </a:p>
         </p:txBody>
       </p:sp>
@@ -7482,8 +7498,8 @@
         </p:blipFill>
         <p:spPr bwMode="auto">
           <a:xfrm>
-            <a:off x="7089025" y="2248514"/>
-            <a:ext cx="5102975" cy="3536062"/>
+            <a:off x="7648071" y="2359486"/>
+            <a:ext cx="4543929" cy="3148676"/>
           </a:xfrm>
           <a:prstGeom prst="rect">
             <a:avLst/>
@@ -8432,12 +8448,12 @@
 </file>
 
 <file path=customXml/item1.xml><?xml version="1.0" encoding="utf-8"?>
-<?mso-contentType ?>
-<FormTemplates xmlns="http://schemas.microsoft.com/sharepoint/v3/contenttype/forms">
-  <Display>DocumentLibraryForm</Display>
-  <Edit>DocumentLibraryForm</Edit>
-  <New>DocumentLibraryForm</New>
-</FormTemplates>
+<p:properties xmlns:p="http://schemas.microsoft.com/office/2006/metadata/properties" xmlns:xsi="http://www.w3.org/2001/XMLSchema-instance" xmlns:pc="http://schemas.microsoft.com/office/infopath/2007/PartnerControls">
+  <documentManagement>
+    <Status xmlns="71af3243-3dd4-4a8d-8c0d-dd76da1f02a5">Not started</Status>
+    <MediaServiceKeyPoints xmlns="71af3243-3dd4-4a8d-8c0d-dd76da1f02a5" xsi:nil="true"/>
+  </documentManagement>
+</p:properties>
 </file>
 
 <file path=customXml/item2.xml><?xml version="1.0" encoding="utf-8"?>
@@ -8662,18 +8678,20 @@
 </file>
 
 <file path=customXml/item3.xml><?xml version="1.0" encoding="utf-8"?>
-<p:properties xmlns:p="http://schemas.microsoft.com/office/2006/metadata/properties" xmlns:xsi="http://www.w3.org/2001/XMLSchema-instance" xmlns:pc="http://schemas.microsoft.com/office/infopath/2007/PartnerControls">
-  <documentManagement>
-    <Status xmlns="71af3243-3dd4-4a8d-8c0d-dd76da1f02a5">Not started</Status>
-    <MediaServiceKeyPoints xmlns="71af3243-3dd4-4a8d-8c0d-dd76da1f02a5" xsi:nil="true"/>
-  </documentManagement>
-</p:properties>
+<?mso-contentType ?>
+<FormTemplates xmlns="http://schemas.microsoft.com/sharepoint/v3/contenttype/forms">
+  <Display>DocumentLibraryForm</Display>
+  <Edit>DocumentLibraryForm</Edit>
+  <New>DocumentLibraryForm</New>
+</FormTemplates>
 </file>
 
 <file path=customXml/itemProps1.xml><?xml version="1.0" encoding="utf-8"?>
-<ds:datastoreItem xmlns:ds="http://schemas.openxmlformats.org/officeDocument/2006/customXml" ds:itemID="{64B270AB-C138-415C-897E-3C24487DECF1}">
+<ds:datastoreItem xmlns:ds="http://schemas.openxmlformats.org/officeDocument/2006/customXml" ds:itemID="{2C4C00F4-06E9-43E3-AD97-88A857CEFA82}">
   <ds:schemaRefs>
-    <ds:schemaRef ds:uri="http://schemas.microsoft.com/sharepoint/v3/contenttype/forms"/>
+    <ds:schemaRef ds:uri="http://schemas.microsoft.com/office/2006/metadata/properties"/>
+    <ds:schemaRef ds:uri="http://schemas.microsoft.com/office/infopath/2007/PartnerControls"/>
+    <ds:schemaRef ds:uri="71af3243-3dd4-4a8d-8c0d-dd76da1f02a5"/>
   </ds:schemaRefs>
 </ds:datastoreItem>
 </file>
@@ -8698,11 +8716,9 @@
 </file>
 
 <file path=customXml/itemProps3.xml><?xml version="1.0" encoding="utf-8"?>
-<ds:datastoreItem xmlns:ds="http://schemas.openxmlformats.org/officeDocument/2006/customXml" ds:itemID="{2C4C00F4-06E9-43E3-AD97-88A857CEFA82}">
+<ds:datastoreItem xmlns:ds="http://schemas.openxmlformats.org/officeDocument/2006/customXml" ds:itemID="{64B270AB-C138-415C-897E-3C24487DECF1}">
   <ds:schemaRefs>
-    <ds:schemaRef ds:uri="http://schemas.microsoft.com/office/2006/metadata/properties"/>
-    <ds:schemaRef ds:uri="http://schemas.microsoft.com/office/infopath/2007/PartnerControls"/>
-    <ds:schemaRef ds:uri="71af3243-3dd4-4a8d-8c0d-dd76da1f02a5"/>
+    <ds:schemaRef ds:uri="http://schemas.microsoft.com/sharepoint/v3/contenttype/forms"/>
   </ds:schemaRefs>
 </ds:datastoreItem>
 </file>
--- a/Presentation/ppt 7 thema.pptx
+++ b/Presentation/ppt 7 thema.pptx
@@ -213,7 +213,7 @@
                 <a:latin typeface="Meiryo UI" panose="020B0604030504040204" pitchFamily="50" charset="-128"/>
                 <a:ea typeface="Meiryo UI" panose="020B0604030504040204" pitchFamily="50" charset="-128"/>
               </a:rPr>
-              <a:t>2022/12/21</a:t>
+              <a:t>2023/1/6</a:t>
             </a:fld>
             <a:endParaRPr kumimoji="1" lang="ja-JP" altLang="en-US" dirty="0">
               <a:latin typeface="Meiryo UI" panose="020B0604030504040204" pitchFamily="50" charset="-128"/>
@@ -398,7 +398,7 @@
             <a:fld id="{B07AB95F-E008-4F21-8D4E-E34750D6AE84}" type="datetime1">
               <a:rPr lang="ja-JP" altLang="en-US" smtClean="0"/>
               <a:pPr/>
-              <a:t>2022/12/21</a:t>
+              <a:t>2023/1/6</a:t>
             </a:fld>
             <a:endParaRPr lang="ja-JP" altLang="en-US" dirty="0"/>
           </a:p>
@@ -988,7 +988,7 @@
             <a:pPr rtl="0"/>
             <a:fld id="{BED32F2A-1FF8-402F-8BF6-24CDAFCB97CD}" type="datetime1">
               <a:rPr lang="ja-JP" altLang="en-US" noProof="0" smtClean="0"/>
-              <a:t>2022/12/21</a:t>
+              <a:t>2023/1/6</a:t>
             </a:fld>
             <a:endParaRPr lang="ja-JP" altLang="en-US" noProof="0" dirty="0"/>
           </a:p>
@@ -1298,7 +1298,7 @@
             <a:pPr rtl="0"/>
             <a:fld id="{CDB44967-C232-4B29-B0D5-AF2B33F4C243}" type="datetime1">
               <a:rPr lang="ja-JP" altLang="en-US" noProof="0" smtClean="0"/>
-              <a:t>2022/12/21</a:t>
+              <a:t>2023/1/6</a:t>
             </a:fld>
             <a:endParaRPr lang="ja-JP" altLang="en-US" noProof="0" dirty="0"/>
           </a:p>
@@ -1496,7 +1496,7 @@
             <a:pPr rtl="0"/>
             <a:fld id="{923589E8-8D7F-4ADD-96C7-DF27B20E5F67}" type="datetime1">
               <a:rPr lang="ja-JP" altLang="en-US" noProof="0" smtClean="0"/>
-              <a:t>2022/12/21</a:t>
+              <a:t>2023/1/6</a:t>
             </a:fld>
             <a:endParaRPr lang="ja-JP" altLang="en-US" noProof="0" dirty="0"/>
           </a:p>
@@ -1778,7 +1778,7 @@
           <a:p>
             <a:fld id="{05DFCAC1-4519-47A9-9B3C-ACE9953DB739}" type="datetime1">
               <a:rPr lang="ja-JP" altLang="en-US" noProof="0" smtClean="0"/>
-              <a:t>2022/12/21</a:t>
+              <a:t>2023/1/6</a:t>
             </a:fld>
             <a:endParaRPr lang="ja-JP" altLang="en-US" noProof="0" dirty="0"/>
           </a:p>
@@ -2235,7 +2235,7 @@
             <a:pPr rtl="0"/>
             <a:fld id="{665E7119-F629-4623-9483-E82E084BC006}" type="datetime1">
               <a:rPr lang="ja-JP" altLang="en-US" noProof="0" smtClean="0"/>
-              <a:t>2022/12/21</a:t>
+              <a:t>2023/1/6</a:t>
             </a:fld>
             <a:endParaRPr lang="ja-JP" altLang="en-US" noProof="0" dirty="0"/>
           </a:p>
@@ -2776,7 +2776,7 @@
             <a:pPr rtl="0"/>
             <a:fld id="{6314AE7A-496F-4FD2-B2CB-0CCBD0D639BA}" type="datetime1">
               <a:rPr lang="ja-JP" altLang="en-US" noProof="0" smtClean="0"/>
-              <a:t>2022/12/21</a:t>
+              <a:t>2023/1/6</a:t>
             </a:fld>
             <a:endParaRPr lang="ja-JP" altLang="en-US" noProof="0" dirty="0"/>
           </a:p>
@@ -3665,7 +3665,7 @@
             <a:pPr rtl="0"/>
             <a:fld id="{8CF2109E-8914-46D8-8FC4-05BA55489BC5}" type="datetime1">
               <a:rPr lang="ja-JP" altLang="en-US" noProof="0" smtClean="0"/>
-              <a:t>2022/12/21</a:t>
+              <a:t>2023/1/6</a:t>
             </a:fld>
             <a:endParaRPr lang="ja-JP" altLang="en-US" noProof="0" dirty="0"/>
           </a:p>
@@ -3871,7 +3871,7 @@
             <a:pPr rtl="0"/>
             <a:fld id="{F1004C8D-6C76-4892-A136-9C6099763C96}" type="datetime1">
               <a:rPr lang="ja-JP" altLang="en-US" noProof="0" smtClean="0"/>
-              <a:t>2022/12/21</a:t>
+              <a:t>2023/1/6</a:t>
             </a:fld>
             <a:endParaRPr lang="ja-JP" altLang="en-US" noProof="0" dirty="0"/>
           </a:p>
@@ -4119,7 +4119,7 @@
             <a:pPr rtl="0"/>
             <a:fld id="{242A2D7E-FFE8-4444-8A69-4D054D6A7FB1}" type="datetime1">
               <a:rPr lang="ja-JP" altLang="en-US" noProof="0" smtClean="0"/>
-              <a:t>2022/12/21</a:t>
+              <a:t>2023/1/6</a:t>
             </a:fld>
             <a:endParaRPr lang="ja-JP" altLang="en-US" noProof="0" dirty="0"/>
           </a:p>
@@ -4429,7 +4429,7 @@
             <a:pPr rtl="0"/>
             <a:fld id="{E6A15EDF-B1A1-4F5B-B886-5281F007CEC2}" type="datetime1">
               <a:rPr lang="ja-JP" altLang="en-US" noProof="0" smtClean="0"/>
-              <a:t>2022/12/21</a:t>
+              <a:t>2023/1/6</a:t>
             </a:fld>
             <a:endParaRPr lang="ja-JP" altLang="en-US" noProof="0" dirty="0"/>
           </a:p>
@@ -4980,7 +4980,7 @@
             <a:pPr rtl="0"/>
             <a:fld id="{FACBA674-B12E-4A9C-870A-505978E4D347}" type="datetime1">
               <a:rPr lang="ja-JP" altLang="en-US" noProof="0" smtClean="0"/>
-              <a:t>2022/12/21</a:t>
+              <a:t>2023/1/6</a:t>
             </a:fld>
             <a:endParaRPr lang="ja-JP" altLang="en-US" noProof="0" dirty="0"/>
           </a:p>
@@ -5102,7 +5102,7 @@
             <a:pPr rtl="0"/>
             <a:fld id="{510CD04C-9C91-47B9-AD1B-CB5E3C5F2EB7}" type="datetime1">
               <a:rPr lang="ja-JP" altLang="en-US" noProof="0" smtClean="0"/>
-              <a:t>2022/12/21</a:t>
+              <a:t>2023/1/6</a:t>
             </a:fld>
             <a:endParaRPr lang="ja-JP" altLang="en-US" noProof="0" dirty="0"/>
           </a:p>
@@ -5200,7 +5200,7 @@
             <a:pPr rtl="0"/>
             <a:fld id="{9F54A936-8D81-45C6-BA98-389C9C639694}" type="datetime1">
               <a:rPr lang="ja-JP" altLang="en-US" noProof="0" smtClean="0"/>
-              <a:t>2022/12/21</a:t>
+              <a:t>2023/1/6</a:t>
             </a:fld>
             <a:endParaRPr lang="ja-JP" altLang="en-US" noProof="0" dirty="0"/>
           </a:p>
@@ -5491,7 +5491,7 @@
             <a:pPr rtl="0"/>
             <a:fld id="{B9883EF0-5A1D-49BE-9E30-E5F416FD9E02}" type="datetime1">
               <a:rPr lang="ja-JP" altLang="en-US" noProof="0" smtClean="0"/>
-              <a:t>2022/12/21</a:t>
+              <a:t>2023/1/6</a:t>
             </a:fld>
             <a:endParaRPr lang="ja-JP" altLang="en-US" noProof="0" dirty="0"/>
           </a:p>
@@ -5803,7 +5803,7 @@
             <a:pPr rtl="0"/>
             <a:fld id="{10D676E5-1814-49F1-B0B7-1FEF88ACB80D}" type="datetime1">
               <a:rPr lang="ja-JP" altLang="en-US" noProof="0" smtClean="0"/>
-              <a:t>2022/12/21</a:t>
+              <a:t>2023/1/6</a:t>
             </a:fld>
             <a:endParaRPr lang="ja-JP" altLang="en-US" noProof="0" dirty="0"/>
           </a:p>
@@ -6072,7 +6072,7 @@
           <a:p>
             <a:fld id="{86487C1B-3789-46FF-9A5F-B29A0DECFF86}" type="datetime1">
               <a:rPr lang="ja-JP" altLang="en-US" noProof="0" smtClean="0"/>
-              <a:t>2022/12/21</a:t>
+              <a:t>2023/1/6</a:t>
             </a:fld>
             <a:endParaRPr lang="ja-JP" altLang="en-US" noProof="0" dirty="0"/>
           </a:p>
@@ -6995,7 +6995,7 @@
           </a:effectLst>
           <a:extLst>
             <a:ext uri="{91240B29-F687-4f45-9708-019B960494DF}">
-              <a14:hiddenLine xmlns:p14="http://schemas.microsoft.com/office/powerpoint/2010/main" xmlns:a16="http://schemas.microsoft.com/office/drawing/2014/main" xmlns:a14="http://schemas.microsoft.com/office/drawing/2010/main" xmlns="" w="9525">
+              <a14:hiddenLine xmlns="" xmlns:a14="http://schemas.microsoft.com/office/drawing/2010/main" xmlns:a16="http://schemas.microsoft.com/office/drawing/2014/main" xmlns:p14="http://schemas.microsoft.com/office/powerpoint/2010/main" w="9525">
                 <a:solidFill>
                   <a:srgbClr val="000000"/>
                 </a:solidFill>
@@ -7222,7 +7222,12 @@
             <p:ph idx="1"/>
           </p:nvPr>
         </p:nvSpPr>
-        <p:spPr/>
+        <p:spPr>
+          <a:xfrm>
+            <a:off x="913795" y="2858328"/>
+            <a:ext cx="10353762" cy="3714749"/>
+          </a:xfrm>
+        </p:spPr>
         <p:txBody>
           <a:bodyPr/>
           <a:lstStyle/>
@@ -7244,6 +7249,67 @@
           </a:p>
           <a:p>
             <a:endParaRPr lang="en-US" altLang="ja-JP" dirty="0"/>
+          </a:p>
+        </p:txBody>
+      </p:sp>
+      <p:sp>
+        <p:nvSpPr>
+          <p:cNvPr id="4" name="テキスト ボックス 3">
+            <a:extLst>
+              <a:ext uri="{FF2B5EF4-FFF2-40B4-BE49-F238E27FC236}">
+                <a16:creationId xmlns:a16="http://schemas.microsoft.com/office/drawing/2014/main" id="{0904A946-9690-A466-BD5D-CC96ECF25F01}"/>
+              </a:ext>
+            </a:extLst>
+          </p:cNvPr>
+          <p:cNvSpPr txBox="1"/>
+          <p:nvPr/>
+        </p:nvSpPr>
+        <p:spPr>
+          <a:xfrm>
+            <a:off x="1465667" y="1993282"/>
+            <a:ext cx="9250017" cy="369332"/>
+          </a:xfrm>
+          <a:prstGeom prst="rect">
+            <a:avLst/>
+          </a:prstGeom>
+          <a:noFill/>
+        </p:spPr>
+        <p:txBody>
+          <a:bodyPr wrap="square" rtlCol="0">
+            <a:spAutoFit/>
+          </a:bodyPr>
+          <a:lstStyle/>
+          <a:p>
+            <a:pPr algn="ctr"/>
+            <a:r>
+              <a:rPr lang="en-US" altLang="ja-JP" dirty="0">
+                <a:solidFill>
+                  <a:schemeClr val="tx2"/>
+                </a:solidFill>
+              </a:rPr>
+              <a:t>Tatsuya Ide and Daisuke Kawahara </a:t>
+            </a:r>
+            <a:r>
+              <a:rPr lang="en-US" altLang="ja-JP" dirty="0" err="1">
+                <a:solidFill>
+                  <a:schemeClr val="tx2"/>
+                </a:solidFill>
+              </a:rPr>
+              <a:t>Waseda</a:t>
+            </a:r>
+            <a:r>
+              <a:rPr lang="en-US" altLang="ja-JP" dirty="0">
+                <a:solidFill>
+                  <a:schemeClr val="tx2"/>
+                </a:solidFill>
+              </a:rPr>
+              <a:t> University (25 May 2021)</a:t>
+            </a:r>
+            <a:endParaRPr kumimoji="1" lang="ja-JP" altLang="en-US" dirty="0">
+              <a:solidFill>
+                <a:schemeClr val="tx2"/>
+              </a:solidFill>
+            </a:endParaRPr>
           </a:p>
         </p:txBody>
       </p:sp>
@@ -8457,6 +8523,15 @@
 </file>
 
 <file path=customXml/item2.xml><?xml version="1.0" encoding="utf-8"?>
+<?mso-contentType ?>
+<FormTemplates xmlns="http://schemas.microsoft.com/sharepoint/v3/contenttype/forms">
+  <Display>DocumentLibraryForm</Display>
+  <Edit>DocumentLibraryForm</Edit>
+  <New>DocumentLibraryForm</New>
+</FormTemplates>
+</file>
+
+<file path=customXml/item3.xml><?xml version="1.0" encoding="utf-8"?>
 <ct:contentTypeSchema xmlns:ct="http://schemas.microsoft.com/office/2006/metadata/contentType" xmlns:ma="http://schemas.microsoft.com/office/2006/metadata/properties/metaAttributes" ct:_="" ma:_="" ma:contentTypeName="Document" ma:contentTypeID="0x01010079F111ED35F8CC479449609E8A0923A6" ma:contentTypeVersion="12" ma:contentTypeDescription="Create a new document." ma:contentTypeScope="" ma:versionID="a410dd7f93c95333ffa1b60ed6adedd1">
   <xsd:schema xmlns:xsd="http://www.w3.org/2001/XMLSchema" xmlns:xs="http://www.w3.org/2001/XMLSchema" xmlns:p="http://schemas.microsoft.com/office/2006/metadata/properties" xmlns:ns2="71af3243-3dd4-4a8d-8c0d-dd76da1f02a5" xmlns:ns3="16c05727-aa75-4e4a-9b5f-8a80a1165891" targetNamespace="http://schemas.microsoft.com/office/2006/metadata/properties" ma:root="true" ma:fieldsID="a936d9baba76aa3866493feff160faab" ns2:_="" ns3:_="">
     <xsd:import namespace="71af3243-3dd4-4a8d-8c0d-dd76da1f02a5"/>
@@ -8677,15 +8752,6 @@
 </ct:contentTypeSchema>
 </file>
 
-<file path=customXml/item3.xml><?xml version="1.0" encoding="utf-8"?>
-<?mso-contentType ?>
-<FormTemplates xmlns="http://schemas.microsoft.com/sharepoint/v3/contenttype/forms">
-  <Display>DocumentLibraryForm</Display>
-  <Edit>DocumentLibraryForm</Edit>
-  <New>DocumentLibraryForm</New>
-</FormTemplates>
-</file>
-
 <file path=customXml/itemProps1.xml><?xml version="1.0" encoding="utf-8"?>
 <ds:datastoreItem xmlns:ds="http://schemas.openxmlformats.org/officeDocument/2006/customXml" ds:itemID="{2C4C00F4-06E9-43E3-AD97-88A857CEFA82}">
   <ds:schemaRefs>
@@ -8697,6 +8763,14 @@
 </file>
 
 <file path=customXml/itemProps2.xml><?xml version="1.0" encoding="utf-8"?>
+<ds:datastoreItem xmlns:ds="http://schemas.openxmlformats.org/officeDocument/2006/customXml" ds:itemID="{64B270AB-C138-415C-897E-3C24487DECF1}">
+  <ds:schemaRefs>
+    <ds:schemaRef ds:uri="http://schemas.microsoft.com/sharepoint/v3/contenttype/forms"/>
+  </ds:schemaRefs>
+</ds:datastoreItem>
+</file>
+
+<file path=customXml/itemProps3.xml><?xml version="1.0" encoding="utf-8"?>
 <ds:datastoreItem xmlns:ds="http://schemas.openxmlformats.org/officeDocument/2006/customXml" ds:itemID="{0585E981-8C91-4205-A0C3-C991F42B4C9E}">
   <ds:schemaRefs>
     <ds:schemaRef ds:uri="http://schemas.microsoft.com/office/2006/metadata/contentType"/>
@@ -8713,12 +8787,4 @@
     <ds:schemaRef ds:uri="http://schemas.microsoft.com/internal/obd"/>
   </ds:schemaRefs>
 </ds:datastoreItem>
-</file>
-
-<file path=customXml/itemProps3.xml><?xml version="1.0" encoding="utf-8"?>
-<ds:datastoreItem xmlns:ds="http://schemas.openxmlformats.org/officeDocument/2006/customXml" ds:itemID="{64B270AB-C138-415C-897E-3C24487DECF1}">
-  <ds:schemaRefs>
-    <ds:schemaRef ds:uri="http://schemas.microsoft.com/sharepoint/v3/contenttype/forms"/>
-  </ds:schemaRefs>
-</ds:datastoreItem>
 </file>
--- a/Presentation/ppt 7 thema.pptx
+++ b/Presentation/ppt 7 thema.pptx
@@ -5,17 +5,20 @@
     <p:sldMasterId id="2147483660" r:id="rId4"/>
   </p:sldMasterIdLst>
   <p:notesMasterIdLst>
-    <p:notesMasterId r:id="rId10"/>
+    <p:notesMasterId r:id="rId13"/>
   </p:notesMasterIdLst>
   <p:handoutMasterIdLst>
-    <p:handoutMasterId r:id="rId11"/>
+    <p:handoutMasterId r:id="rId14"/>
   </p:handoutMasterIdLst>
   <p:sldIdLst>
     <p:sldId id="278" r:id="rId5"/>
     <p:sldId id="282" r:id="rId6"/>
-    <p:sldId id="279" r:id="rId7"/>
-    <p:sldId id="280" r:id="rId8"/>
-    <p:sldId id="281" r:id="rId9"/>
+    <p:sldId id="283" r:id="rId7"/>
+    <p:sldId id="279" r:id="rId8"/>
+    <p:sldId id="280" r:id="rId9"/>
+    <p:sldId id="284" r:id="rId10"/>
+    <p:sldId id="285" r:id="rId11"/>
+    <p:sldId id="281" r:id="rId12"/>
   </p:sldIdLst>
   <p:sldSz cx="12192000" cy="6858000"/>
   <p:notesSz cx="6858000" cy="9144000"/>
@@ -213,7 +216,7 @@
                 <a:latin typeface="Meiryo UI" panose="020B0604030504040204" pitchFamily="50" charset="-128"/>
                 <a:ea typeface="Meiryo UI" panose="020B0604030504040204" pitchFamily="50" charset="-128"/>
               </a:rPr>
-              <a:t>2023/1/6</a:t>
+              <a:t>2023/1/10</a:t>
             </a:fld>
             <a:endParaRPr kumimoji="1" lang="ja-JP" altLang="en-US" dirty="0">
               <a:latin typeface="Meiryo UI" panose="020B0604030504040204" pitchFamily="50" charset="-128"/>
@@ -398,7 +401,7 @@
             <a:fld id="{B07AB95F-E008-4F21-8D4E-E34750D6AE84}" type="datetime1">
               <a:rPr lang="ja-JP" altLang="en-US" smtClean="0"/>
               <a:pPr/>
-              <a:t>2023/1/6</a:t>
+              <a:t>2023/1/10</a:t>
             </a:fld>
             <a:endParaRPr lang="ja-JP" altLang="en-US" dirty="0"/>
           </a:p>
@@ -988,7 +991,7 @@
             <a:pPr rtl="0"/>
             <a:fld id="{BED32F2A-1FF8-402F-8BF6-24CDAFCB97CD}" type="datetime1">
               <a:rPr lang="ja-JP" altLang="en-US" noProof="0" smtClean="0"/>
-              <a:t>2023/1/6</a:t>
+              <a:t>2023/1/10</a:t>
             </a:fld>
             <a:endParaRPr lang="ja-JP" altLang="en-US" noProof="0" dirty="0"/>
           </a:p>
@@ -1298,7 +1301,7 @@
             <a:pPr rtl="0"/>
             <a:fld id="{CDB44967-C232-4B29-B0D5-AF2B33F4C243}" type="datetime1">
               <a:rPr lang="ja-JP" altLang="en-US" noProof="0" smtClean="0"/>
-              <a:t>2023/1/6</a:t>
+              <a:t>2023/1/10</a:t>
             </a:fld>
             <a:endParaRPr lang="ja-JP" altLang="en-US" noProof="0" dirty="0"/>
           </a:p>
@@ -1496,7 +1499,7 @@
             <a:pPr rtl="0"/>
             <a:fld id="{923589E8-8D7F-4ADD-96C7-DF27B20E5F67}" type="datetime1">
               <a:rPr lang="ja-JP" altLang="en-US" noProof="0" smtClean="0"/>
-              <a:t>2023/1/6</a:t>
+              <a:t>2023/1/10</a:t>
             </a:fld>
             <a:endParaRPr lang="ja-JP" altLang="en-US" noProof="0" dirty="0"/>
           </a:p>
@@ -1778,7 +1781,7 @@
           <a:p>
             <a:fld id="{05DFCAC1-4519-47A9-9B3C-ACE9953DB739}" type="datetime1">
               <a:rPr lang="ja-JP" altLang="en-US" noProof="0" smtClean="0"/>
-              <a:t>2023/1/6</a:t>
+              <a:t>2023/1/10</a:t>
             </a:fld>
             <a:endParaRPr lang="ja-JP" altLang="en-US" noProof="0" dirty="0"/>
           </a:p>
@@ -2235,7 +2238,7 @@
             <a:pPr rtl="0"/>
             <a:fld id="{665E7119-F629-4623-9483-E82E084BC006}" type="datetime1">
               <a:rPr lang="ja-JP" altLang="en-US" noProof="0" smtClean="0"/>
-              <a:t>2023/1/6</a:t>
+              <a:t>2023/1/10</a:t>
             </a:fld>
             <a:endParaRPr lang="ja-JP" altLang="en-US" noProof="0" dirty="0"/>
           </a:p>
@@ -2776,7 +2779,7 @@
             <a:pPr rtl="0"/>
             <a:fld id="{6314AE7A-496F-4FD2-B2CB-0CCBD0D639BA}" type="datetime1">
               <a:rPr lang="ja-JP" altLang="en-US" noProof="0" smtClean="0"/>
-              <a:t>2023/1/6</a:t>
+              <a:t>2023/1/10</a:t>
             </a:fld>
             <a:endParaRPr lang="ja-JP" altLang="en-US" noProof="0" dirty="0"/>
           </a:p>
@@ -3665,7 +3668,7 @@
             <a:pPr rtl="0"/>
             <a:fld id="{8CF2109E-8914-46D8-8FC4-05BA55489BC5}" type="datetime1">
               <a:rPr lang="ja-JP" altLang="en-US" noProof="0" smtClean="0"/>
-              <a:t>2023/1/6</a:t>
+              <a:t>2023/1/10</a:t>
             </a:fld>
             <a:endParaRPr lang="ja-JP" altLang="en-US" noProof="0" dirty="0"/>
           </a:p>
@@ -3871,7 +3874,7 @@
             <a:pPr rtl="0"/>
             <a:fld id="{F1004C8D-6C76-4892-A136-9C6099763C96}" type="datetime1">
               <a:rPr lang="ja-JP" altLang="en-US" noProof="0" smtClean="0"/>
-              <a:t>2023/1/6</a:t>
+              <a:t>2023/1/10</a:t>
             </a:fld>
             <a:endParaRPr lang="ja-JP" altLang="en-US" noProof="0" dirty="0"/>
           </a:p>
@@ -4119,7 +4122,7 @@
             <a:pPr rtl="0"/>
             <a:fld id="{242A2D7E-FFE8-4444-8A69-4D054D6A7FB1}" type="datetime1">
               <a:rPr lang="ja-JP" altLang="en-US" noProof="0" smtClean="0"/>
-              <a:t>2023/1/6</a:t>
+              <a:t>2023/1/10</a:t>
             </a:fld>
             <a:endParaRPr lang="ja-JP" altLang="en-US" noProof="0" dirty="0"/>
           </a:p>
@@ -4429,7 +4432,7 @@
             <a:pPr rtl="0"/>
             <a:fld id="{E6A15EDF-B1A1-4F5B-B886-5281F007CEC2}" type="datetime1">
               <a:rPr lang="ja-JP" altLang="en-US" noProof="0" smtClean="0"/>
-              <a:t>2023/1/6</a:t>
+              <a:t>2023/1/10</a:t>
             </a:fld>
             <a:endParaRPr lang="ja-JP" altLang="en-US" noProof="0" dirty="0"/>
           </a:p>
@@ -4980,7 +4983,7 @@
             <a:pPr rtl="0"/>
             <a:fld id="{FACBA674-B12E-4A9C-870A-505978E4D347}" type="datetime1">
               <a:rPr lang="ja-JP" altLang="en-US" noProof="0" smtClean="0"/>
-              <a:t>2023/1/6</a:t>
+              <a:t>2023/1/10</a:t>
             </a:fld>
             <a:endParaRPr lang="ja-JP" altLang="en-US" noProof="0" dirty="0"/>
           </a:p>
@@ -5102,7 +5105,7 @@
             <a:pPr rtl="0"/>
             <a:fld id="{510CD04C-9C91-47B9-AD1B-CB5E3C5F2EB7}" type="datetime1">
               <a:rPr lang="ja-JP" altLang="en-US" noProof="0" smtClean="0"/>
-              <a:t>2023/1/6</a:t>
+              <a:t>2023/1/10</a:t>
             </a:fld>
             <a:endParaRPr lang="ja-JP" altLang="en-US" noProof="0" dirty="0"/>
           </a:p>
@@ -5200,7 +5203,7 @@
             <a:pPr rtl="0"/>
             <a:fld id="{9F54A936-8D81-45C6-BA98-389C9C639694}" type="datetime1">
               <a:rPr lang="ja-JP" altLang="en-US" noProof="0" smtClean="0"/>
-              <a:t>2023/1/6</a:t>
+              <a:t>2023/1/10</a:t>
             </a:fld>
             <a:endParaRPr lang="ja-JP" altLang="en-US" noProof="0" dirty="0"/>
           </a:p>
@@ -5491,7 +5494,7 @@
             <a:pPr rtl="0"/>
             <a:fld id="{B9883EF0-5A1D-49BE-9E30-E5F416FD9E02}" type="datetime1">
               <a:rPr lang="ja-JP" altLang="en-US" noProof="0" smtClean="0"/>
-              <a:t>2023/1/6</a:t>
+              <a:t>2023/1/10</a:t>
             </a:fld>
             <a:endParaRPr lang="ja-JP" altLang="en-US" noProof="0" dirty="0"/>
           </a:p>
@@ -5803,7 +5806,7 @@
             <a:pPr rtl="0"/>
             <a:fld id="{10D676E5-1814-49F1-B0B7-1FEF88ACB80D}" type="datetime1">
               <a:rPr lang="ja-JP" altLang="en-US" noProof="0" smtClean="0"/>
-              <a:t>2023/1/6</a:t>
+              <a:t>2023/1/10</a:t>
             </a:fld>
             <a:endParaRPr lang="ja-JP" altLang="en-US" noProof="0" dirty="0"/>
           </a:p>
@@ -6072,7 +6075,7 @@
           <a:p>
             <a:fld id="{86487C1B-3789-46FF-9A5F-B29A0DECFF86}" type="datetime1">
               <a:rPr lang="ja-JP" altLang="en-US" noProof="0" smtClean="0"/>
-              <a:t>2023/1/6</a:t>
+              <a:t>2023/1/10</a:t>
             </a:fld>
             <a:endParaRPr lang="ja-JP" altLang="en-US" noProof="0" dirty="0"/>
           </a:p>
@@ -6995,7 +6998,7 @@
           </a:effectLst>
           <a:extLst>
             <a:ext uri="{91240B29-F687-4f45-9708-019B960494DF}">
-              <a14:hiddenLine xmlns="" xmlns:a14="http://schemas.microsoft.com/office/drawing/2010/main" xmlns:a16="http://schemas.microsoft.com/office/drawing/2014/main" xmlns:p14="http://schemas.microsoft.com/office/powerpoint/2010/main" w="9525">
+              <a14:hiddenLine xmlns:p14="http://schemas.microsoft.com/office/powerpoint/2010/main" xmlns:a16="http://schemas.microsoft.com/office/drawing/2014/main" xmlns:a14="http://schemas.microsoft.com/office/drawing/2010/main" xmlns="" w="9525">
                 <a:solidFill>
                   <a:srgbClr val="000000"/>
                 </a:solidFill>
@@ -7229,7 +7232,9 @@
           </a:xfrm>
         </p:spPr>
         <p:txBody>
-          <a:bodyPr/>
+          <a:bodyPr>
+            <a:normAutofit lnSpcReduction="10000"/>
+          </a:bodyPr>
           <a:lstStyle/>
           <a:p>
             <a:r>
@@ -7246,6 +7251,15 @@
               <a:t>反応生成の品質向上。</a:t>
             </a:r>
             <a:endParaRPr lang="en-US" altLang="ja-JP" dirty="0"/>
+          </a:p>
+          <a:p>
+            <a:endParaRPr lang="en-US" altLang="ja-JP" dirty="0"/>
+          </a:p>
+          <a:p>
+            <a:r>
+              <a:rPr lang="en-US" altLang="ja-JP" dirty="0"/>
+              <a:t>https://arxiv.org/abs/2105.11696</a:t>
+            </a:r>
           </a:p>
           <a:p>
             <a:endParaRPr lang="en-US" altLang="ja-JP" dirty="0"/>
@@ -7348,6 +7362,118 @@
           <p:cNvPr id="2" name="タイトル 1">
             <a:extLst>
               <a:ext uri="{FF2B5EF4-FFF2-40B4-BE49-F238E27FC236}">
+                <a16:creationId xmlns:a16="http://schemas.microsoft.com/office/drawing/2014/main" id="{EA260D1B-377B-5068-E0C6-0A79C11EF2B7}"/>
+              </a:ext>
+            </a:extLst>
+          </p:cNvPr>
+          <p:cNvSpPr>
+            <a:spLocks noGrp="1"/>
+          </p:cNvSpPr>
+          <p:nvPr>
+            <p:ph type="title"/>
+          </p:nvPr>
+        </p:nvSpPr>
+        <p:spPr/>
+        <p:txBody>
+          <a:bodyPr/>
+          <a:lstStyle/>
+          <a:p>
+            <a:r>
+              <a:rPr kumimoji="1" lang="en-US" altLang="ja-JP" dirty="0"/>
+              <a:t>Data Set</a:t>
+            </a:r>
+            <a:endParaRPr kumimoji="1" lang="ja-JP" altLang="en-US" dirty="0"/>
+          </a:p>
+        </p:txBody>
+      </p:sp>
+      <p:sp>
+        <p:nvSpPr>
+          <p:cNvPr id="3" name="コンテンツ プレースホルダー 2">
+            <a:extLst>
+              <a:ext uri="{FF2B5EF4-FFF2-40B4-BE49-F238E27FC236}">
+                <a16:creationId xmlns:a16="http://schemas.microsoft.com/office/drawing/2014/main" id="{B013489A-92BB-8FFC-15FA-94BA417008E7}"/>
+              </a:ext>
+            </a:extLst>
+          </p:cNvPr>
+          <p:cNvSpPr>
+            <a:spLocks noGrp="1"/>
+          </p:cNvSpPr>
+          <p:nvPr>
+            <p:ph idx="1"/>
+          </p:nvPr>
+        </p:nvSpPr>
+        <p:spPr/>
+        <p:txBody>
+          <a:bodyPr/>
+          <a:lstStyle/>
+          <a:p>
+            <a:r>
+              <a:rPr lang="ja-JP" altLang="en-US" dirty="0"/>
+              <a:t>応答生成</a:t>
+            </a:r>
+            <a:endParaRPr lang="en-US" altLang="ja-JP" dirty="0"/>
+          </a:p>
+          <a:p>
+            <a:r>
+              <a:rPr kumimoji="1" lang="ja-JP" altLang="en-US" dirty="0"/>
+              <a:t>感情認識</a:t>
+            </a:r>
+            <a:endParaRPr kumimoji="1" lang="en-US" altLang="ja-JP" dirty="0"/>
+          </a:p>
+          <a:p>
+            <a:r>
+              <a:rPr kumimoji="1" lang="ja-JP" altLang="en-US" dirty="0"/>
+              <a:t>大筋の感情認識</a:t>
+            </a:r>
+            <a:endParaRPr kumimoji="1" lang="en-US" altLang="ja-JP" dirty="0"/>
+          </a:p>
+          <a:p>
+            <a:r>
+              <a:rPr lang="ja-JP" altLang="en-US" dirty="0"/>
+              <a:t>細分化した感情認識</a:t>
+            </a:r>
+            <a:endParaRPr kumimoji="1" lang="en-US" altLang="ja-JP" dirty="0"/>
+          </a:p>
+          <a:p>
+            <a:endParaRPr kumimoji="1" lang="ja-JP" altLang="en-US" dirty="0"/>
+          </a:p>
+        </p:txBody>
+      </p:sp>
+    </p:spTree>
+    <p:extLst>
+      <p:ext uri="{BB962C8B-B14F-4D97-AF65-F5344CB8AC3E}">
+        <p14:creationId xmlns:p14="http://schemas.microsoft.com/office/powerpoint/2010/main" val="1192713588"/>
+      </p:ext>
+    </p:extLst>
+  </p:cSld>
+  <p:clrMapOvr>
+    <a:masterClrMapping/>
+  </p:clrMapOvr>
+</p:sld>
+</file>
+
+<file path=ppt/slides/slide4.xml><?xml version="1.0" encoding="utf-8"?>
+<p:sld xmlns:a="http://schemas.openxmlformats.org/drawingml/2006/main" xmlns:r="http://schemas.openxmlformats.org/officeDocument/2006/relationships" xmlns:p="http://schemas.openxmlformats.org/presentationml/2006/main">
+  <p:cSld>
+    <p:spTree>
+      <p:nvGrpSpPr>
+        <p:cNvPr id="1" name=""/>
+        <p:cNvGrpSpPr/>
+        <p:nvPr/>
+      </p:nvGrpSpPr>
+      <p:grpSpPr>
+        <a:xfrm>
+          <a:off x="0" y="0"/>
+          <a:ext cx="0" cy="0"/>
+          <a:chOff x="0" y="0"/>
+          <a:chExt cx="0" cy="0"/>
+        </a:xfrm>
+      </p:grpSpPr>
+      <p:sp>
+        <p:nvSpPr>
+          <p:cNvPr id="2" name="タイトル 1">
+            <a:extLst>
+              <a:ext uri="{FF2B5EF4-FFF2-40B4-BE49-F238E27FC236}">
                 <a16:creationId xmlns:a16="http://schemas.microsoft.com/office/drawing/2014/main" id="{0AA877A1-CED2-745E-8CF1-A9A56B497AC4}"/>
               </a:ext>
             </a:extLst>
@@ -7390,12 +7516,24 @@
             <p:ph idx="1"/>
           </p:nvPr>
         </p:nvSpPr>
-        <p:spPr/>
+        <p:spPr>
+          <a:xfrm>
+            <a:off x="913795" y="2076450"/>
+            <a:ext cx="10353762" cy="4483376"/>
+          </a:xfrm>
+        </p:spPr>
         <p:txBody>
           <a:bodyPr>
-            <a:normAutofit fontScale="85000" lnSpcReduction="10000"/>
+            <a:normAutofit fontScale="92500" lnSpcReduction="20000"/>
           </a:bodyPr>
           <a:lstStyle/>
+          <a:p>
+            <a:r>
+              <a:rPr kumimoji="1" lang="ja-JP" altLang="en-US" dirty="0"/>
+              <a:t>色んな感情コーパスセットの比較と分類、統合。</a:t>
+            </a:r>
+            <a:endParaRPr kumimoji="1" lang="en-US" altLang="ja-JP" dirty="0"/>
+          </a:p>
           <a:p>
             <a:r>
               <a:rPr kumimoji="1" lang="en-US" altLang="ja-JP" dirty="0"/>
@@ -7462,7 +7600,7 @@
 </p:sld>
 </file>
 
-<file path=ppt/slides/slide4.xml><?xml version="1.0" encoding="utf-8"?>
+<file path=ppt/slides/slide5.xml><?xml version="1.0" encoding="utf-8"?>
 <p:sld xmlns:a="http://schemas.openxmlformats.org/drawingml/2006/main" xmlns:r="http://schemas.openxmlformats.org/officeDocument/2006/relationships" xmlns:p="http://schemas.openxmlformats.org/presentationml/2006/main">
   <p:cSld>
     <p:spTree>
@@ -7624,7 +7762,7 @@
 </p:sld>
 </file>
 
-<file path=ppt/slides/slide5.xml><?xml version="1.0" encoding="utf-8"?>
+<file path=ppt/slides/slide6.xml><?xml version="1.0" encoding="utf-8"?>
 <p:sld xmlns:a="http://schemas.openxmlformats.org/drawingml/2006/main" xmlns:r="http://schemas.openxmlformats.org/officeDocument/2006/relationships" xmlns:p="http://schemas.openxmlformats.org/presentationml/2006/main">
   <p:cSld>
     <p:spTree>
@@ -7646,6 +7784,366 @@
           <p:cNvPr id="2" name="タイトル 1">
             <a:extLst>
               <a:ext uri="{FF2B5EF4-FFF2-40B4-BE49-F238E27FC236}">
+                <a16:creationId xmlns:a16="http://schemas.microsoft.com/office/drawing/2014/main" id="{20395968-BEBF-81EA-A36D-DE6EB8082648}"/>
+              </a:ext>
+            </a:extLst>
+          </p:cNvPr>
+          <p:cNvSpPr>
+            <a:spLocks noGrp="1"/>
+          </p:cNvSpPr>
+          <p:nvPr>
+            <p:ph type="title"/>
+          </p:nvPr>
+        </p:nvSpPr>
+        <p:spPr>
+          <a:xfrm>
+            <a:off x="913795" y="410820"/>
+            <a:ext cx="10353762" cy="1257300"/>
+          </a:xfrm>
+        </p:spPr>
+        <p:txBody>
+          <a:bodyPr>
+            <a:normAutofit fontScale="90000"/>
+          </a:bodyPr>
+          <a:lstStyle/>
+          <a:p>
+            <a:r>
+              <a:rPr kumimoji="1" lang="ja-JP" altLang="en-US" dirty="0"/>
+              <a:t>応答生成</a:t>
+            </a:r>
+            <a:br>
+              <a:rPr kumimoji="1" lang="en-US" altLang="ja-JP" dirty="0"/>
+            </a:br>
+            <a:r>
+              <a:rPr kumimoji="1" lang="en-US" altLang="ja-JP" dirty="0" err="1"/>
+              <a:t>DailyDialog</a:t>
+            </a:r>
+            <a:r>
+              <a:rPr kumimoji="1" lang="en-US" altLang="ja-JP" dirty="0"/>
+              <a:t>: A Manually Labelled Multi-turn Dialogue Dataset</a:t>
+            </a:r>
+            <a:endParaRPr kumimoji="1" lang="ja-JP" altLang="en-US" dirty="0"/>
+          </a:p>
+        </p:txBody>
+      </p:sp>
+      <p:sp>
+        <p:nvSpPr>
+          <p:cNvPr id="3" name="コンテンツ プレースホルダー 2">
+            <a:extLst>
+              <a:ext uri="{FF2B5EF4-FFF2-40B4-BE49-F238E27FC236}">
+                <a16:creationId xmlns:a16="http://schemas.microsoft.com/office/drawing/2014/main" id="{4272C04B-37BB-4299-18D4-C7BC30D92016}"/>
+              </a:ext>
+            </a:extLst>
+          </p:cNvPr>
+          <p:cNvSpPr>
+            <a:spLocks noGrp="1"/>
+          </p:cNvSpPr>
+          <p:nvPr>
+            <p:ph idx="1"/>
+          </p:nvPr>
+        </p:nvSpPr>
+        <p:spPr>
+          <a:xfrm>
+            <a:off x="913795" y="2076450"/>
+            <a:ext cx="10353762" cy="4370730"/>
+          </a:xfrm>
+        </p:spPr>
+        <p:txBody>
+          <a:bodyPr/>
+          <a:lstStyle/>
+          <a:p>
+            <a:r>
+              <a:rPr kumimoji="1" lang="ja-JP" altLang="en-US" dirty="0"/>
+              <a:t>知能型チャットボット</a:t>
+            </a:r>
+            <a:r>
+              <a:rPr lang="ja-JP" altLang="en-US" dirty="0"/>
+              <a:t>会話システムの開発のためのデータセット。</a:t>
+            </a:r>
+            <a:endParaRPr lang="en-US" altLang="ja-JP" dirty="0"/>
+          </a:p>
+          <a:p>
+            <a:r>
+              <a:rPr lang="ja-JP" altLang="en-US" dirty="0"/>
+              <a:t>高品質の両方向多重回転会話（自然的な人間の会話）</a:t>
+            </a:r>
+            <a:endParaRPr lang="en-US" altLang="ja-JP" dirty="0"/>
+          </a:p>
+          <a:p>
+            <a:r>
+              <a:rPr kumimoji="1" lang="ja-JP" altLang="en-US" dirty="0"/>
+              <a:t>会話門、</a:t>
+            </a:r>
+            <a:endParaRPr kumimoji="1" lang="en-US" altLang="ja-JP" dirty="0"/>
+          </a:p>
+          <a:p>
+            <a:r>
+              <a:rPr kumimoji="1" lang="ja-JP" altLang="en-US" dirty="0"/>
+              <a:t>会話門のトピック</a:t>
+            </a:r>
+            <a:r>
+              <a:rPr kumimoji="1" lang="en-US" altLang="ja-JP" dirty="0"/>
+              <a:t>(</a:t>
+            </a:r>
+            <a:r>
+              <a:rPr kumimoji="1" lang="ja-JP" altLang="en-US" dirty="0"/>
+              <a:t>日常生活、学校生活、文化と教育、態度と感情、関係、観光、健康、仕事、政治、財政</a:t>
+            </a:r>
+            <a:r>
+              <a:rPr kumimoji="1" lang="en-US" altLang="ja-JP" dirty="0"/>
+              <a:t>)</a:t>
+            </a:r>
+            <a:r>
+              <a:rPr kumimoji="1" lang="ja-JP" altLang="en-US" dirty="0"/>
+              <a:t>、</a:t>
+            </a:r>
+            <a:endParaRPr kumimoji="1" lang="en-US" altLang="ja-JP" dirty="0"/>
+          </a:p>
+          <a:p>
+            <a:r>
+              <a:rPr kumimoji="1" lang="ja-JP" altLang="en-US" dirty="0"/>
+              <a:t>意図・行動</a:t>
+            </a:r>
+            <a:r>
+              <a:rPr kumimoji="1" lang="en-US" altLang="ja-JP" dirty="0"/>
+              <a:t>(</a:t>
+            </a:r>
+            <a:r>
+              <a:rPr kumimoji="1" lang="ja-JP" altLang="en-US" dirty="0"/>
+              <a:t>情報、質問、指示、受け取る</a:t>
+            </a:r>
+            <a:r>
+              <a:rPr kumimoji="1" lang="en-US" altLang="ja-JP" dirty="0"/>
+              <a:t>)</a:t>
+            </a:r>
+            <a:r>
+              <a:rPr lang="ja-JP" altLang="en-US" dirty="0"/>
+              <a:t>、</a:t>
+            </a:r>
+            <a:endParaRPr lang="en-US" altLang="ja-JP" dirty="0"/>
+          </a:p>
+          <a:p>
+            <a:r>
+              <a:rPr lang="ja-JP" altLang="en-US" dirty="0"/>
+              <a:t>感情</a:t>
+            </a:r>
+            <a:r>
+              <a:rPr lang="en-US" altLang="ja-JP" dirty="0"/>
+              <a:t>(</a:t>
+            </a:r>
+            <a:r>
+              <a:rPr lang="ja-JP" altLang="en-US" dirty="0"/>
+              <a:t>無感情、怒り、嫌悪、恐怖、幸福、悲しみ、驚き</a:t>
+            </a:r>
+            <a:r>
+              <a:rPr lang="en-US" altLang="ja-JP" dirty="0"/>
+              <a:t>)</a:t>
+            </a:r>
+          </a:p>
+          <a:p>
+            <a:r>
+              <a:rPr kumimoji="1" lang="en-US" altLang="ja-JP" dirty="0"/>
+              <a:t>http://yanran.li/dailydialog</a:t>
+            </a:r>
+          </a:p>
+        </p:txBody>
+      </p:sp>
+    </p:spTree>
+    <p:extLst>
+      <p:ext uri="{BB962C8B-B14F-4D97-AF65-F5344CB8AC3E}">
+        <p14:creationId xmlns:p14="http://schemas.microsoft.com/office/powerpoint/2010/main" val="2318323918"/>
+      </p:ext>
+    </p:extLst>
+  </p:cSld>
+  <p:clrMapOvr>
+    <a:masterClrMapping/>
+  </p:clrMapOvr>
+</p:sld>
+</file>
+
+<file path=ppt/slides/slide7.xml><?xml version="1.0" encoding="utf-8"?>
+<p:sld xmlns:a="http://schemas.openxmlformats.org/drawingml/2006/main" xmlns:r="http://schemas.openxmlformats.org/officeDocument/2006/relationships" xmlns:p="http://schemas.openxmlformats.org/presentationml/2006/main">
+  <p:cSld>
+    <p:spTree>
+      <p:nvGrpSpPr>
+        <p:cNvPr id="1" name=""/>
+        <p:cNvGrpSpPr/>
+        <p:nvPr/>
+      </p:nvGrpSpPr>
+      <p:grpSpPr>
+        <a:xfrm>
+          <a:off x="0" y="0"/>
+          <a:ext cx="0" cy="0"/>
+          <a:chOff x="0" y="0"/>
+          <a:chExt cx="0" cy="0"/>
+        </a:xfrm>
+      </p:grpSpPr>
+      <p:sp>
+        <p:nvSpPr>
+          <p:cNvPr id="2" name="タイトル 1">
+            <a:extLst>
+              <a:ext uri="{FF2B5EF4-FFF2-40B4-BE49-F238E27FC236}">
+                <a16:creationId xmlns:a16="http://schemas.microsoft.com/office/drawing/2014/main" id="{632186AD-0835-0D9F-74B4-93B0E6AB1D68}"/>
+              </a:ext>
+            </a:extLst>
+          </p:cNvPr>
+          <p:cNvSpPr>
+            <a:spLocks noGrp="1"/>
+          </p:cNvSpPr>
+          <p:nvPr>
+            <p:ph type="title"/>
+          </p:nvPr>
+        </p:nvSpPr>
+        <p:spPr/>
+        <p:txBody>
+          <a:bodyPr/>
+          <a:lstStyle/>
+          <a:p>
+            <a:r>
+              <a:rPr kumimoji="1" lang="ja-JP" altLang="en-US" dirty="0"/>
+              <a:t>データ紹介</a:t>
+            </a:r>
+          </a:p>
+        </p:txBody>
+      </p:sp>
+      <p:sp>
+        <p:nvSpPr>
+          <p:cNvPr id="3" name="コンテンツ プレースホルダー 2">
+            <a:extLst>
+              <a:ext uri="{FF2B5EF4-FFF2-40B4-BE49-F238E27FC236}">
+                <a16:creationId xmlns:a16="http://schemas.microsoft.com/office/drawing/2014/main" id="{13FA3344-CFCF-8786-00E3-22F6E8356BB8}"/>
+              </a:ext>
+            </a:extLst>
+          </p:cNvPr>
+          <p:cNvSpPr>
+            <a:spLocks noGrp="1"/>
+          </p:cNvSpPr>
+          <p:nvPr>
+            <p:ph idx="1"/>
+          </p:nvPr>
+        </p:nvSpPr>
+        <p:spPr/>
+        <p:txBody>
+          <a:bodyPr>
+            <a:normAutofit/>
+          </a:bodyPr>
+          <a:lstStyle/>
+          <a:p>
+            <a:r>
+              <a:rPr kumimoji="1" lang="en-US" altLang="ja-JP" sz="2800" dirty="0" err="1"/>
+              <a:t>dialogues_text</a:t>
+            </a:r>
+            <a:r>
+              <a:rPr kumimoji="1" lang="en-US" altLang="ja-JP" sz="2800" dirty="0"/>
+              <a:t> : The kitchen stinks . __</a:t>
+            </a:r>
+            <a:r>
+              <a:rPr kumimoji="1" lang="en-US" altLang="ja-JP" sz="2800" dirty="0" err="1"/>
+              <a:t>eou</a:t>
+            </a:r>
+            <a:r>
+              <a:rPr kumimoji="1" lang="en-US" altLang="ja-JP" sz="2800" dirty="0"/>
+              <a:t>__ I'll throw out the garbage . </a:t>
+            </a:r>
+          </a:p>
+          <a:p>
+            <a:r>
+              <a:rPr kumimoji="1" lang="en-US" altLang="ja-JP" sz="2800" dirty="0" err="1"/>
+              <a:t>dialogues_topic</a:t>
+            </a:r>
+            <a:r>
+              <a:rPr kumimoji="1" lang="en-US" altLang="ja-JP" sz="2800" dirty="0"/>
+              <a:t> : 1</a:t>
+            </a:r>
+            <a:r>
+              <a:rPr kumimoji="1" lang="ja-JP" altLang="en-US" sz="2800" dirty="0"/>
+              <a:t>（日常生活）</a:t>
+            </a:r>
+            <a:endParaRPr kumimoji="1" lang="en-US" altLang="ja-JP" sz="2800" dirty="0"/>
+          </a:p>
+          <a:p>
+            <a:r>
+              <a:rPr kumimoji="1" lang="en-US" altLang="ja-JP" sz="2800" dirty="0" err="1"/>
+              <a:t>dialogues_act</a:t>
+            </a:r>
+            <a:r>
+              <a:rPr kumimoji="1" lang="en-US" altLang="ja-JP" sz="2800" dirty="0"/>
+              <a:t> : 3 4</a:t>
+            </a:r>
+            <a:r>
+              <a:rPr lang="ja-JP" altLang="en-US" sz="2800" dirty="0"/>
+              <a:t>（</a:t>
+            </a:r>
+            <a:r>
+              <a:rPr kumimoji="1" lang="ja-JP" altLang="en-US" sz="2800" dirty="0"/>
+              <a:t>指示、受け取る</a:t>
+            </a:r>
+            <a:r>
+              <a:rPr lang="ja-JP" altLang="en-US" sz="2800" dirty="0"/>
+              <a:t>）</a:t>
+            </a:r>
+            <a:endParaRPr lang="en-US" altLang="ja-JP" sz="2800" dirty="0"/>
+          </a:p>
+          <a:p>
+            <a:r>
+              <a:rPr lang="en-US" altLang="ja-JP" sz="2800" dirty="0" err="1"/>
+              <a:t>dialogues_emotion</a:t>
+            </a:r>
+            <a:r>
+              <a:rPr lang="en-US" altLang="ja-JP" sz="2800" dirty="0"/>
+              <a:t> : 2</a:t>
+            </a:r>
+            <a:r>
+              <a:rPr lang="ko-KR" altLang="en-US" sz="2800" dirty="0"/>
+              <a:t> </a:t>
+            </a:r>
+            <a:r>
+              <a:rPr lang="en-US" altLang="ja-JP" sz="2800" dirty="0"/>
+              <a:t>0</a:t>
+            </a:r>
+            <a:r>
+              <a:rPr lang="ja-JP" altLang="en-US" sz="2800" dirty="0"/>
+              <a:t>（嫌悪、無感情）</a:t>
+            </a:r>
+            <a:endParaRPr lang="en-US" altLang="ja-JP" sz="2800" dirty="0"/>
+          </a:p>
+        </p:txBody>
+      </p:sp>
+    </p:spTree>
+    <p:extLst>
+      <p:ext uri="{BB962C8B-B14F-4D97-AF65-F5344CB8AC3E}">
+        <p14:creationId xmlns:p14="http://schemas.microsoft.com/office/powerpoint/2010/main" val="2212473481"/>
+      </p:ext>
+    </p:extLst>
+  </p:cSld>
+  <p:clrMapOvr>
+    <a:masterClrMapping/>
+  </p:clrMapOvr>
+</p:sld>
+</file>
+
+<file path=ppt/slides/slide8.xml><?xml version="1.0" encoding="utf-8"?>
+<p:sld xmlns:a="http://schemas.openxmlformats.org/drawingml/2006/main" xmlns:r="http://schemas.openxmlformats.org/officeDocument/2006/relationships" xmlns:p="http://schemas.openxmlformats.org/presentationml/2006/main">
+  <p:cSld>
+    <p:spTree>
+      <p:nvGrpSpPr>
+        <p:cNvPr id="1" name=""/>
+        <p:cNvGrpSpPr/>
+        <p:nvPr/>
+      </p:nvGrpSpPr>
+      <p:grpSpPr>
+        <a:xfrm>
+          <a:off x="0" y="0"/>
+          <a:ext cx="0" cy="0"/>
+          <a:chOff x="0" y="0"/>
+          <a:chExt cx="0" cy="0"/>
+        </a:xfrm>
+      </p:grpSpPr>
+      <p:sp>
+        <p:nvSpPr>
+          <p:cNvPr id="2" name="タイトル 1">
+            <a:extLst>
+              <a:ext uri="{FF2B5EF4-FFF2-40B4-BE49-F238E27FC236}">
                 <a16:creationId xmlns:a16="http://schemas.microsoft.com/office/drawing/2014/main" id="{47D1D2A6-EB06-1016-7542-42A031701EB5}"/>
               </a:ext>
             </a:extLst>
@@ -7659,9 +8157,18 @@
         </p:nvSpPr>
         <p:spPr/>
         <p:txBody>
-          <a:bodyPr/>
+          <a:bodyPr>
+            <a:normAutofit fontScale="90000"/>
+          </a:bodyPr>
           <a:lstStyle/>
           <a:p>
+            <a:r>
+              <a:rPr kumimoji="1" lang="ja-JP" altLang="en-US" dirty="0"/>
+              <a:t>感情認識</a:t>
+            </a:r>
+            <a:br>
+              <a:rPr kumimoji="1" lang="en-US" altLang="ja-JP" dirty="0"/>
+            </a:br>
             <a:r>
               <a:rPr kumimoji="1" lang="en-US" altLang="ja-JP" dirty="0"/>
               <a:t>Emotional Tweets</a:t>
@@ -7688,7 +8195,9 @@
         </p:nvSpPr>
         <p:spPr/>
         <p:txBody>
-          <a:bodyPr/>
+          <a:bodyPr>
+            <a:normAutofit/>
+          </a:bodyPr>
           <a:lstStyle/>
           <a:p>
             <a:r>
@@ -7716,6 +8225,25 @@
               <a:rPr kumimoji="1" lang="ja-JP" altLang="en-US" dirty="0"/>
               <a:t>で分類されてるデータセットを利用した研究。</a:t>
             </a:r>
+            <a:endParaRPr kumimoji="1" lang="en-US" altLang="ja-JP" dirty="0"/>
+          </a:p>
+          <a:p>
+            <a:r>
+              <a:rPr kumimoji="1" lang="en-US" altLang="ja-JP" dirty="0"/>
+              <a:t>Twitter</a:t>
+            </a:r>
+            <a:r>
+              <a:rPr kumimoji="1" lang="ja-JP" altLang="en-US" dirty="0"/>
+              <a:t>で感情的な単語のハッシュタグを用いて、コーパスを作る。</a:t>
+            </a:r>
+            <a:endParaRPr lang="en-US" altLang="ja-JP" dirty="0"/>
+          </a:p>
+          <a:p>
+            <a:r>
+              <a:rPr lang="ja-JP" altLang="en-US" dirty="0"/>
+              <a:t>データセットの要請をして置いた状態。</a:t>
+            </a:r>
+            <a:endParaRPr kumimoji="1" lang="ja-JP" altLang="en-US" dirty="0"/>
           </a:p>
         </p:txBody>
       </p:sp>
@@ -8523,15 +9051,6 @@
 </file>
 
 <file path=customXml/item2.xml><?xml version="1.0" encoding="utf-8"?>
-<?mso-contentType ?>
-<FormTemplates xmlns="http://schemas.microsoft.com/sharepoint/v3/contenttype/forms">
-  <Display>DocumentLibraryForm</Display>
-  <Edit>DocumentLibraryForm</Edit>
-  <New>DocumentLibraryForm</New>
-</FormTemplates>
-</file>
-
-<file path=customXml/item3.xml><?xml version="1.0" encoding="utf-8"?>
 <ct:contentTypeSchema xmlns:ct="http://schemas.microsoft.com/office/2006/metadata/contentType" xmlns:ma="http://schemas.microsoft.com/office/2006/metadata/properties/metaAttributes" ct:_="" ma:_="" ma:contentTypeName="Document" ma:contentTypeID="0x01010079F111ED35F8CC479449609E8A0923A6" ma:contentTypeVersion="12" ma:contentTypeDescription="Create a new document." ma:contentTypeScope="" ma:versionID="a410dd7f93c95333ffa1b60ed6adedd1">
   <xsd:schema xmlns:xsd="http://www.w3.org/2001/XMLSchema" xmlns:xs="http://www.w3.org/2001/XMLSchema" xmlns:p="http://schemas.microsoft.com/office/2006/metadata/properties" xmlns:ns2="71af3243-3dd4-4a8d-8c0d-dd76da1f02a5" xmlns:ns3="16c05727-aa75-4e4a-9b5f-8a80a1165891" targetNamespace="http://schemas.microsoft.com/office/2006/metadata/properties" ma:root="true" ma:fieldsID="a936d9baba76aa3866493feff160faab" ns2:_="" ns3:_="">
     <xsd:import namespace="71af3243-3dd4-4a8d-8c0d-dd76da1f02a5"/>
@@ -8752,6 +9271,15 @@
 </ct:contentTypeSchema>
 </file>
 
+<file path=customXml/item3.xml><?xml version="1.0" encoding="utf-8"?>
+<?mso-contentType ?>
+<FormTemplates xmlns="http://schemas.microsoft.com/sharepoint/v3/contenttype/forms">
+  <Display>DocumentLibraryForm</Display>
+  <Edit>DocumentLibraryForm</Edit>
+  <New>DocumentLibraryForm</New>
+</FormTemplates>
+</file>
+
 <file path=customXml/itemProps1.xml><?xml version="1.0" encoding="utf-8"?>
 <ds:datastoreItem xmlns:ds="http://schemas.openxmlformats.org/officeDocument/2006/customXml" ds:itemID="{2C4C00F4-06E9-43E3-AD97-88A857CEFA82}">
   <ds:schemaRefs>
@@ -8763,14 +9291,6 @@
 </file>
 
 <file path=customXml/itemProps2.xml><?xml version="1.0" encoding="utf-8"?>
-<ds:datastoreItem xmlns:ds="http://schemas.openxmlformats.org/officeDocument/2006/customXml" ds:itemID="{64B270AB-C138-415C-897E-3C24487DECF1}">
-  <ds:schemaRefs>
-    <ds:schemaRef ds:uri="http://schemas.microsoft.com/sharepoint/v3/contenttype/forms"/>
-  </ds:schemaRefs>
-</ds:datastoreItem>
-</file>
-
-<file path=customXml/itemProps3.xml><?xml version="1.0" encoding="utf-8"?>
 <ds:datastoreItem xmlns:ds="http://schemas.openxmlformats.org/officeDocument/2006/customXml" ds:itemID="{0585E981-8C91-4205-A0C3-C991F42B4C9E}">
   <ds:schemaRefs>
     <ds:schemaRef ds:uri="http://schemas.microsoft.com/office/2006/metadata/contentType"/>
@@ -8787,4 +9307,12 @@
     <ds:schemaRef ds:uri="http://schemas.microsoft.com/internal/obd"/>
   </ds:schemaRefs>
 </ds:datastoreItem>
+</file>
+
+<file path=customXml/itemProps3.xml><?xml version="1.0" encoding="utf-8"?>
+<ds:datastoreItem xmlns:ds="http://schemas.openxmlformats.org/officeDocument/2006/customXml" ds:itemID="{64B270AB-C138-415C-897E-3C24487DECF1}">
+  <ds:schemaRefs>
+    <ds:schemaRef ds:uri="http://schemas.microsoft.com/sharepoint/v3/contenttype/forms"/>
+  </ds:schemaRefs>
+</ds:datastoreItem>
 </file>